--- a/Наработки/диздоки/Австрия/Австрия.pptx
+++ b/Наработки/диздоки/Австрия/Австрия.pptx
@@ -209,7 +209,7 @@
             <a:fld id="{33E3D7F9-E251-484C-A6FF-FA958879DF69}" type="datetimeFigureOut">
               <a:rPr lang="ru-RU" smtClean="0"/>
               <a:pPr/>
-              <a:t>28.01.2022</a:t>
+              <a:t>22.02.2022</a:t>
             </a:fld>
             <a:endParaRPr lang="ru-RU"/>
           </a:p>
@@ -273,38 +273,37 @@
           <a:p>
             <a:pPr lvl="0"/>
             <a:r>
-              <a:rPr lang="ru-RU" smtClean="0"/>
+              <a:rPr lang="ru-RU"/>
               <a:t>Образец текста</a:t>
             </a:r>
           </a:p>
           <a:p>
             <a:pPr lvl="1"/>
             <a:r>
-              <a:rPr lang="ru-RU" smtClean="0"/>
+              <a:rPr lang="ru-RU"/>
               <a:t>Второй уровень</a:t>
             </a:r>
           </a:p>
           <a:p>
             <a:pPr lvl="2"/>
             <a:r>
-              <a:rPr lang="ru-RU" smtClean="0"/>
+              <a:rPr lang="ru-RU"/>
               <a:t>Третий уровень</a:t>
             </a:r>
           </a:p>
           <a:p>
             <a:pPr lvl="3"/>
             <a:r>
-              <a:rPr lang="ru-RU" smtClean="0"/>
+              <a:rPr lang="ru-RU"/>
               <a:t>Четвертый уровень</a:t>
             </a:r>
           </a:p>
           <a:p>
             <a:pPr lvl="4"/>
             <a:r>
-              <a:rPr lang="ru-RU" smtClean="0"/>
+              <a:rPr lang="ru-RU"/>
               <a:t>Пятый уровень</a:t>
             </a:r>
-            <a:endParaRPr lang="ru-RU"/>
           </a:p>
         </p:txBody>
       </p:sp>
@@ -610,7 +609,7 @@
           </a:lstStyle>
           <a:p>
             <a:r>
-              <a:rPr lang="ru-RU" smtClean="0"/>
+              <a:rPr lang="ru-RU"/>
               <a:t>Образец заголовка</a:t>
             </a:r>
             <a:endParaRPr lang="en-US" dirty="0"/>
@@ -675,7 +674,7 @@
           </a:lstStyle>
           <a:p>
             <a:r>
-              <a:rPr lang="ru-RU" smtClean="0"/>
+              <a:rPr lang="ru-RU"/>
               <a:t>Образец подзаголовка</a:t>
             </a:r>
             <a:endParaRPr lang="en-US" dirty="0"/>
@@ -700,7 +699,7 @@
             <a:fld id="{85A5DE44-605B-4D3B-B2B7-94543DF81A36}" type="datetimeFigureOut">
               <a:rPr lang="ru-RU" smtClean="0"/>
               <a:pPr/>
-              <a:t>28.01.2022</a:t>
+              <a:t>22.02.2022</a:t>
             </a:fld>
             <a:endParaRPr lang="ru-RU"/>
           </a:p>
@@ -795,7 +794,7 @@
           <a:lstStyle/>
           <a:p>
             <a:r>
-              <a:rPr lang="ru-RU" smtClean="0"/>
+              <a:rPr lang="ru-RU"/>
               <a:t>Образец заголовка</a:t>
             </a:r>
             <a:endParaRPr lang="en-US" dirty="0"/>
@@ -819,35 +818,35 @@
           <a:p>
             <a:pPr lvl="0"/>
             <a:r>
-              <a:rPr lang="ru-RU" smtClean="0"/>
+              <a:rPr lang="ru-RU"/>
               <a:t>Образец текста</a:t>
             </a:r>
           </a:p>
           <a:p>
             <a:pPr lvl="1"/>
             <a:r>
-              <a:rPr lang="ru-RU" smtClean="0"/>
+              <a:rPr lang="ru-RU"/>
               <a:t>Второй уровень</a:t>
             </a:r>
           </a:p>
           <a:p>
             <a:pPr lvl="2"/>
             <a:r>
-              <a:rPr lang="ru-RU" smtClean="0"/>
+              <a:rPr lang="ru-RU"/>
               <a:t>Третий уровень</a:t>
             </a:r>
           </a:p>
           <a:p>
             <a:pPr lvl="3"/>
             <a:r>
-              <a:rPr lang="ru-RU" smtClean="0"/>
+              <a:rPr lang="ru-RU"/>
               <a:t>Четвертый уровень</a:t>
             </a:r>
           </a:p>
           <a:p>
             <a:pPr lvl="4"/>
             <a:r>
-              <a:rPr lang="ru-RU" smtClean="0"/>
+              <a:rPr lang="ru-RU"/>
               <a:t>Пятый уровень</a:t>
             </a:r>
             <a:endParaRPr lang="en-US" dirty="0"/>
@@ -872,7 +871,7 @@
             <a:fld id="{85A5DE44-605B-4D3B-B2B7-94543DF81A36}" type="datetimeFigureOut">
               <a:rPr lang="ru-RU" smtClean="0"/>
               <a:pPr/>
-              <a:t>28.01.2022</a:t>
+              <a:t>22.02.2022</a:t>
             </a:fld>
             <a:endParaRPr lang="ru-RU"/>
           </a:p>
@@ -972,7 +971,7 @@
           <a:lstStyle/>
           <a:p>
             <a:r>
-              <a:rPr lang="ru-RU" smtClean="0"/>
+              <a:rPr lang="ru-RU"/>
               <a:t>Образец заголовка</a:t>
             </a:r>
             <a:endParaRPr lang="en-US" dirty="0"/>
@@ -1001,35 +1000,35 @@
           <a:p>
             <a:pPr lvl="0"/>
             <a:r>
-              <a:rPr lang="ru-RU" smtClean="0"/>
+              <a:rPr lang="ru-RU"/>
               <a:t>Образец текста</a:t>
             </a:r>
           </a:p>
           <a:p>
             <a:pPr lvl="1"/>
             <a:r>
-              <a:rPr lang="ru-RU" smtClean="0"/>
+              <a:rPr lang="ru-RU"/>
               <a:t>Второй уровень</a:t>
             </a:r>
           </a:p>
           <a:p>
             <a:pPr lvl="2"/>
             <a:r>
-              <a:rPr lang="ru-RU" smtClean="0"/>
+              <a:rPr lang="ru-RU"/>
               <a:t>Третий уровень</a:t>
             </a:r>
           </a:p>
           <a:p>
             <a:pPr lvl="3"/>
             <a:r>
-              <a:rPr lang="ru-RU" smtClean="0"/>
+              <a:rPr lang="ru-RU"/>
               <a:t>Четвертый уровень</a:t>
             </a:r>
           </a:p>
           <a:p>
             <a:pPr lvl="4"/>
             <a:r>
-              <a:rPr lang="ru-RU" smtClean="0"/>
+              <a:rPr lang="ru-RU"/>
               <a:t>Пятый уровень</a:t>
             </a:r>
             <a:endParaRPr lang="en-US" dirty="0"/>
@@ -1054,7 +1053,7 @@
             <a:fld id="{85A5DE44-605B-4D3B-B2B7-94543DF81A36}" type="datetimeFigureOut">
               <a:rPr lang="ru-RU" smtClean="0"/>
               <a:pPr/>
-              <a:t>28.01.2022</a:t>
+              <a:t>22.02.2022</a:t>
             </a:fld>
             <a:endParaRPr lang="ru-RU"/>
           </a:p>
@@ -1149,7 +1148,7 @@
           <a:lstStyle/>
           <a:p>
             <a:r>
-              <a:rPr lang="ru-RU" smtClean="0"/>
+              <a:rPr lang="ru-RU"/>
               <a:t>Образец заголовка</a:t>
             </a:r>
             <a:endParaRPr lang="en-US" dirty="0"/>
@@ -1173,35 +1172,35 @@
           <a:p>
             <a:pPr lvl="0"/>
             <a:r>
-              <a:rPr lang="ru-RU" smtClean="0"/>
+              <a:rPr lang="ru-RU"/>
               <a:t>Образец текста</a:t>
             </a:r>
           </a:p>
           <a:p>
             <a:pPr lvl="1"/>
             <a:r>
-              <a:rPr lang="ru-RU" smtClean="0"/>
+              <a:rPr lang="ru-RU"/>
               <a:t>Второй уровень</a:t>
             </a:r>
           </a:p>
           <a:p>
             <a:pPr lvl="2"/>
             <a:r>
-              <a:rPr lang="ru-RU" smtClean="0"/>
+              <a:rPr lang="ru-RU"/>
               <a:t>Третий уровень</a:t>
             </a:r>
           </a:p>
           <a:p>
             <a:pPr lvl="3"/>
             <a:r>
-              <a:rPr lang="ru-RU" smtClean="0"/>
+              <a:rPr lang="ru-RU"/>
               <a:t>Четвертый уровень</a:t>
             </a:r>
           </a:p>
           <a:p>
             <a:pPr lvl="4"/>
             <a:r>
-              <a:rPr lang="ru-RU" smtClean="0"/>
+              <a:rPr lang="ru-RU"/>
               <a:t>Пятый уровень</a:t>
             </a:r>
             <a:endParaRPr lang="en-US" dirty="0"/>
@@ -1226,7 +1225,7 @@
             <a:fld id="{85A5DE44-605B-4D3B-B2B7-94543DF81A36}" type="datetimeFigureOut">
               <a:rPr lang="ru-RU" smtClean="0"/>
               <a:pPr/>
-              <a:t>28.01.2022</a:t>
+              <a:t>22.02.2022</a:t>
             </a:fld>
             <a:endParaRPr lang="ru-RU"/>
           </a:p>
@@ -1330,7 +1329,7 @@
           </a:lstStyle>
           <a:p>
             <a:r>
-              <a:rPr lang="ru-RU" smtClean="0"/>
+              <a:rPr lang="ru-RU"/>
               <a:t>Образец заголовка</a:t>
             </a:r>
             <a:endParaRPr lang="en-US" dirty="0"/>
@@ -1450,7 +1449,7 @@
           <a:p>
             <a:pPr lvl="0"/>
             <a:r>
-              <a:rPr lang="ru-RU" smtClean="0"/>
+              <a:rPr lang="ru-RU"/>
               <a:t>Образец текста</a:t>
             </a:r>
           </a:p>
@@ -1474,7 +1473,7 @@
             <a:fld id="{85A5DE44-605B-4D3B-B2B7-94543DF81A36}" type="datetimeFigureOut">
               <a:rPr lang="ru-RU" smtClean="0"/>
               <a:pPr/>
-              <a:t>28.01.2022</a:t>
+              <a:t>22.02.2022</a:t>
             </a:fld>
             <a:endParaRPr lang="ru-RU"/>
           </a:p>
@@ -1569,7 +1568,7 @@
           <a:lstStyle/>
           <a:p>
             <a:r>
-              <a:rPr lang="ru-RU" smtClean="0"/>
+              <a:rPr lang="ru-RU"/>
               <a:t>Образец заголовка</a:t>
             </a:r>
             <a:endParaRPr lang="en-US" dirty="0"/>
@@ -1598,35 +1597,35 @@
           <a:p>
             <a:pPr lvl="0"/>
             <a:r>
-              <a:rPr lang="ru-RU" smtClean="0"/>
+              <a:rPr lang="ru-RU"/>
               <a:t>Образец текста</a:t>
             </a:r>
           </a:p>
           <a:p>
             <a:pPr lvl="1"/>
             <a:r>
-              <a:rPr lang="ru-RU" smtClean="0"/>
+              <a:rPr lang="ru-RU"/>
               <a:t>Второй уровень</a:t>
             </a:r>
           </a:p>
           <a:p>
             <a:pPr lvl="2"/>
             <a:r>
-              <a:rPr lang="ru-RU" smtClean="0"/>
+              <a:rPr lang="ru-RU"/>
               <a:t>Третий уровень</a:t>
             </a:r>
           </a:p>
           <a:p>
             <a:pPr lvl="3"/>
             <a:r>
-              <a:rPr lang="ru-RU" smtClean="0"/>
+              <a:rPr lang="ru-RU"/>
               <a:t>Четвертый уровень</a:t>
             </a:r>
           </a:p>
           <a:p>
             <a:pPr lvl="4"/>
             <a:r>
-              <a:rPr lang="ru-RU" smtClean="0"/>
+              <a:rPr lang="ru-RU"/>
               <a:t>Пятый уровень</a:t>
             </a:r>
             <a:endParaRPr lang="en-US" dirty="0"/>
@@ -1655,35 +1654,35 @@
           <a:p>
             <a:pPr lvl="0"/>
             <a:r>
-              <a:rPr lang="ru-RU" smtClean="0"/>
+              <a:rPr lang="ru-RU"/>
               <a:t>Образец текста</a:t>
             </a:r>
           </a:p>
           <a:p>
             <a:pPr lvl="1"/>
             <a:r>
-              <a:rPr lang="ru-RU" smtClean="0"/>
+              <a:rPr lang="ru-RU"/>
               <a:t>Второй уровень</a:t>
             </a:r>
           </a:p>
           <a:p>
             <a:pPr lvl="2"/>
             <a:r>
-              <a:rPr lang="ru-RU" smtClean="0"/>
+              <a:rPr lang="ru-RU"/>
               <a:t>Третий уровень</a:t>
             </a:r>
           </a:p>
           <a:p>
             <a:pPr lvl="3"/>
             <a:r>
-              <a:rPr lang="ru-RU" smtClean="0"/>
+              <a:rPr lang="ru-RU"/>
               <a:t>Четвертый уровень</a:t>
             </a:r>
           </a:p>
           <a:p>
             <a:pPr lvl="4"/>
             <a:r>
-              <a:rPr lang="ru-RU" smtClean="0"/>
+              <a:rPr lang="ru-RU"/>
               <a:t>Пятый уровень</a:t>
             </a:r>
             <a:endParaRPr lang="en-US" dirty="0"/>
@@ -1708,7 +1707,7 @@
             <a:fld id="{85A5DE44-605B-4D3B-B2B7-94543DF81A36}" type="datetimeFigureOut">
               <a:rPr lang="ru-RU" smtClean="0"/>
               <a:pPr/>
-              <a:t>28.01.2022</a:t>
+              <a:t>22.02.2022</a:t>
             </a:fld>
             <a:endParaRPr lang="ru-RU"/>
           </a:p>
@@ -1808,7 +1807,7 @@
           <a:lstStyle/>
           <a:p>
             <a:r>
-              <a:rPr lang="ru-RU" smtClean="0"/>
+              <a:rPr lang="ru-RU"/>
               <a:t>Образец заголовка</a:t>
             </a:r>
             <a:endParaRPr lang="en-US" dirty="0"/>
@@ -1874,7 +1873,7 @@
           <a:p>
             <a:pPr lvl="0"/>
             <a:r>
-              <a:rPr lang="ru-RU" smtClean="0"/>
+              <a:rPr lang="ru-RU"/>
               <a:t>Образец текста</a:t>
             </a:r>
           </a:p>
@@ -1902,35 +1901,35 @@
           <a:p>
             <a:pPr lvl="0"/>
             <a:r>
-              <a:rPr lang="ru-RU" smtClean="0"/>
+              <a:rPr lang="ru-RU"/>
               <a:t>Образец текста</a:t>
             </a:r>
           </a:p>
           <a:p>
             <a:pPr lvl="1"/>
             <a:r>
-              <a:rPr lang="ru-RU" smtClean="0"/>
+              <a:rPr lang="ru-RU"/>
               <a:t>Второй уровень</a:t>
             </a:r>
           </a:p>
           <a:p>
             <a:pPr lvl="2"/>
             <a:r>
-              <a:rPr lang="ru-RU" smtClean="0"/>
+              <a:rPr lang="ru-RU"/>
               <a:t>Третий уровень</a:t>
             </a:r>
           </a:p>
           <a:p>
             <a:pPr lvl="3"/>
             <a:r>
-              <a:rPr lang="ru-RU" smtClean="0"/>
+              <a:rPr lang="ru-RU"/>
               <a:t>Четвертый уровень</a:t>
             </a:r>
           </a:p>
           <a:p>
             <a:pPr lvl="4"/>
             <a:r>
-              <a:rPr lang="ru-RU" smtClean="0"/>
+              <a:rPr lang="ru-RU"/>
               <a:t>Пятый уровень</a:t>
             </a:r>
             <a:endParaRPr lang="en-US" dirty="0"/>
@@ -1996,7 +1995,7 @@
           <a:p>
             <a:pPr lvl="0"/>
             <a:r>
-              <a:rPr lang="ru-RU" smtClean="0"/>
+              <a:rPr lang="ru-RU"/>
               <a:t>Образец текста</a:t>
             </a:r>
           </a:p>
@@ -2024,35 +2023,35 @@
           <a:p>
             <a:pPr lvl="0"/>
             <a:r>
-              <a:rPr lang="ru-RU" smtClean="0"/>
+              <a:rPr lang="ru-RU"/>
               <a:t>Образец текста</a:t>
             </a:r>
           </a:p>
           <a:p>
             <a:pPr lvl="1"/>
             <a:r>
-              <a:rPr lang="ru-RU" smtClean="0"/>
+              <a:rPr lang="ru-RU"/>
               <a:t>Второй уровень</a:t>
             </a:r>
           </a:p>
           <a:p>
             <a:pPr lvl="2"/>
             <a:r>
-              <a:rPr lang="ru-RU" smtClean="0"/>
+              <a:rPr lang="ru-RU"/>
               <a:t>Третий уровень</a:t>
             </a:r>
           </a:p>
           <a:p>
             <a:pPr lvl="3"/>
             <a:r>
-              <a:rPr lang="ru-RU" smtClean="0"/>
+              <a:rPr lang="ru-RU"/>
               <a:t>Четвертый уровень</a:t>
             </a:r>
           </a:p>
           <a:p>
             <a:pPr lvl="4"/>
             <a:r>
-              <a:rPr lang="ru-RU" smtClean="0"/>
+              <a:rPr lang="ru-RU"/>
               <a:t>Пятый уровень</a:t>
             </a:r>
             <a:endParaRPr lang="en-US" dirty="0"/>
@@ -2077,7 +2076,7 @@
             <a:fld id="{85A5DE44-605B-4D3B-B2B7-94543DF81A36}" type="datetimeFigureOut">
               <a:rPr lang="ru-RU" smtClean="0"/>
               <a:pPr/>
-              <a:t>28.01.2022</a:t>
+              <a:t>22.02.2022</a:t>
             </a:fld>
             <a:endParaRPr lang="ru-RU"/>
           </a:p>
@@ -2172,7 +2171,7 @@
           <a:lstStyle/>
           <a:p>
             <a:r>
-              <a:rPr lang="ru-RU" smtClean="0"/>
+              <a:rPr lang="ru-RU"/>
               <a:t>Образец заголовка</a:t>
             </a:r>
             <a:endParaRPr lang="en-US" dirty="0"/>
@@ -2197,7 +2196,7 @@
             <a:fld id="{85A5DE44-605B-4D3B-B2B7-94543DF81A36}" type="datetimeFigureOut">
               <a:rPr lang="ru-RU" smtClean="0"/>
               <a:pPr/>
-              <a:t>28.01.2022</a:t>
+              <a:t>22.02.2022</a:t>
             </a:fld>
             <a:endParaRPr lang="ru-RU"/>
           </a:p>
@@ -2294,7 +2293,7 @@
             <a:fld id="{85A5DE44-605B-4D3B-B2B7-94543DF81A36}" type="datetimeFigureOut">
               <a:rPr lang="ru-RU" smtClean="0"/>
               <a:pPr/>
-              <a:t>28.01.2022</a:t>
+              <a:t>22.02.2022</a:t>
             </a:fld>
             <a:endParaRPr lang="ru-RU"/>
           </a:p>
@@ -2398,7 +2397,7 @@
           </a:lstStyle>
           <a:p>
             <a:r>
-              <a:rPr lang="ru-RU" smtClean="0"/>
+              <a:rPr lang="ru-RU"/>
               <a:t>Образец заголовка</a:t>
             </a:r>
             <a:endParaRPr lang="en-US" dirty="0"/>
@@ -2455,35 +2454,35 @@
           <a:p>
             <a:pPr lvl="0"/>
             <a:r>
-              <a:rPr lang="ru-RU" smtClean="0"/>
+              <a:rPr lang="ru-RU"/>
               <a:t>Образец текста</a:t>
             </a:r>
           </a:p>
           <a:p>
             <a:pPr lvl="1"/>
             <a:r>
-              <a:rPr lang="ru-RU" smtClean="0"/>
+              <a:rPr lang="ru-RU"/>
               <a:t>Второй уровень</a:t>
             </a:r>
           </a:p>
           <a:p>
             <a:pPr lvl="2"/>
             <a:r>
-              <a:rPr lang="ru-RU" smtClean="0"/>
+              <a:rPr lang="ru-RU"/>
               <a:t>Третий уровень</a:t>
             </a:r>
           </a:p>
           <a:p>
             <a:pPr lvl="3"/>
             <a:r>
-              <a:rPr lang="ru-RU" smtClean="0"/>
+              <a:rPr lang="ru-RU"/>
               <a:t>Четвертый уровень</a:t>
             </a:r>
           </a:p>
           <a:p>
             <a:pPr lvl="4"/>
             <a:r>
-              <a:rPr lang="ru-RU" smtClean="0"/>
+              <a:rPr lang="ru-RU"/>
               <a:t>Пятый уровень</a:t>
             </a:r>
             <a:endParaRPr lang="en-US" dirty="0"/>
@@ -2549,7 +2548,7 @@
           <a:p>
             <a:pPr lvl="0"/>
             <a:r>
-              <a:rPr lang="ru-RU" smtClean="0"/>
+              <a:rPr lang="ru-RU"/>
               <a:t>Образец текста</a:t>
             </a:r>
           </a:p>
@@ -2573,7 +2572,7 @@
             <a:fld id="{85A5DE44-605B-4D3B-B2B7-94543DF81A36}" type="datetimeFigureOut">
               <a:rPr lang="ru-RU" smtClean="0"/>
               <a:pPr/>
-              <a:t>28.01.2022</a:t>
+              <a:t>22.02.2022</a:t>
             </a:fld>
             <a:endParaRPr lang="ru-RU"/>
           </a:p>
@@ -2677,7 +2676,7 @@
           </a:lstStyle>
           <a:p>
             <a:r>
-              <a:rPr lang="ru-RU" smtClean="0"/>
+              <a:rPr lang="ru-RU"/>
               <a:t>Образец заголовка</a:t>
             </a:r>
             <a:endParaRPr lang="en-US" dirty="0"/>
@@ -2742,7 +2741,7 @@
           </a:lstStyle>
           <a:p>
             <a:r>
-              <a:rPr lang="ru-RU" smtClean="0"/>
+              <a:rPr lang="ru-RU"/>
               <a:t>Вставка рисунка</a:t>
             </a:r>
             <a:endParaRPr lang="en-US" dirty="0"/>
@@ -2808,7 +2807,7 @@
           <a:p>
             <a:pPr lvl="0"/>
             <a:r>
-              <a:rPr lang="ru-RU" smtClean="0"/>
+              <a:rPr lang="ru-RU"/>
               <a:t>Образец текста</a:t>
             </a:r>
           </a:p>
@@ -2832,7 +2831,7 @@
             <a:fld id="{85A5DE44-605B-4D3B-B2B7-94543DF81A36}" type="datetimeFigureOut">
               <a:rPr lang="ru-RU" smtClean="0"/>
               <a:pPr/>
-              <a:t>28.01.2022</a:t>
+              <a:t>22.02.2022</a:t>
             </a:fld>
             <a:endParaRPr lang="ru-RU"/>
           </a:p>
@@ -2942,7 +2941,7 @@
           <a:lstStyle/>
           <a:p>
             <a:r>
-              <a:rPr lang="ru-RU" smtClean="0"/>
+              <a:rPr lang="ru-RU"/>
               <a:t>Образец заголовка</a:t>
             </a:r>
             <a:endParaRPr lang="en-US" dirty="0"/>
@@ -2976,35 +2975,35 @@
           <a:p>
             <a:pPr lvl="0"/>
             <a:r>
-              <a:rPr lang="ru-RU" smtClean="0"/>
+              <a:rPr lang="ru-RU"/>
               <a:t>Образец текста</a:t>
             </a:r>
           </a:p>
           <a:p>
             <a:pPr lvl="1"/>
             <a:r>
-              <a:rPr lang="ru-RU" smtClean="0"/>
+              <a:rPr lang="ru-RU"/>
               <a:t>Второй уровень</a:t>
             </a:r>
           </a:p>
           <a:p>
             <a:pPr lvl="2"/>
             <a:r>
-              <a:rPr lang="ru-RU" smtClean="0"/>
+              <a:rPr lang="ru-RU"/>
               <a:t>Третий уровень</a:t>
             </a:r>
           </a:p>
           <a:p>
             <a:pPr lvl="3"/>
             <a:r>
-              <a:rPr lang="ru-RU" smtClean="0"/>
+              <a:rPr lang="ru-RU"/>
               <a:t>Четвертый уровень</a:t>
             </a:r>
           </a:p>
           <a:p>
             <a:pPr lvl="4"/>
             <a:r>
-              <a:rPr lang="ru-RU" smtClean="0"/>
+              <a:rPr lang="ru-RU"/>
               <a:t>Пятый уровень</a:t>
             </a:r>
             <a:endParaRPr lang="en-US" dirty="0"/>
@@ -3047,7 +3046,7 @@
             <a:fld id="{85A5DE44-605B-4D3B-B2B7-94543DF81A36}" type="datetimeFigureOut">
               <a:rPr lang="ru-RU" smtClean="0"/>
               <a:pPr/>
-              <a:t>28.01.2022</a:t>
+              <a:t>22.02.2022</a:t>
             </a:fld>
             <a:endParaRPr lang="ru-RU"/>
           </a:p>
@@ -3489,10 +3488,9 @@
           <a:p>
             <a:pPr algn="ctr"/>
             <a:r>
-              <a:rPr lang="ru-RU" sz="3600" b="1" dirty="0" smtClean="0"/>
+              <a:rPr lang="ru-RU" sz="3600" b="1" dirty="0"/>
               <a:t>183</a:t>
             </a:r>
-            <a:endParaRPr lang="ru-RU" sz="3600" b="1" dirty="0"/>
           </a:p>
         </p:txBody>
       </p:sp>
@@ -3535,11 +3533,11 @@
           <a:p>
             <a:pPr algn="ctr"/>
             <a:r>
-              <a:rPr lang="ru-RU" sz="700" dirty="0" smtClean="0"/>
+              <a:rPr lang="ru-RU" sz="700" dirty="0"/>
               <a:t>Победа </a:t>
             </a:r>
             <a:r>
-              <a:rPr lang="ru-RU" sz="700" dirty="0" err="1" smtClean="0"/>
+              <a:rPr lang="ru-RU" sz="700" dirty="0" err="1"/>
               <a:t>комми</a:t>
             </a:r>
             <a:endParaRPr lang="ru-RU" sz="400" dirty="0"/>
@@ -3620,7 +3618,7 @@
           <a:p>
             <a:pPr algn="ctr"/>
             <a:r>
-              <a:rPr lang="ru-RU" sz="700" dirty="0" smtClean="0"/>
+              <a:rPr lang="ru-RU" sz="700" dirty="0"/>
               <a:t>Создать социалистические условия производства</a:t>
             </a:r>
             <a:endParaRPr lang="ru-RU" sz="400" dirty="0"/>
@@ -3734,7 +3732,7 @@
           <a:p>
             <a:pPr algn="ctr"/>
             <a:r>
-              <a:rPr lang="ru-RU" sz="700" dirty="0" smtClean="0"/>
+              <a:rPr lang="ru-RU" sz="700" dirty="0"/>
               <a:t>Диктатура пролетариата</a:t>
             </a:r>
             <a:endParaRPr lang="ru-RU" sz="400" dirty="0"/>
@@ -3826,12 +3824,8 @@
           <a:p>
             <a:pPr algn="ctr"/>
             <a:r>
-              <a:rPr lang="ru-RU" sz="700" dirty="0" smtClean="0"/>
-              <a:t>Ограничить возможности церкви</a:t>
-            </a:r>
-            <a:r>
-              <a:rPr lang="ru-RU" sz="700" dirty="0" smtClean="0"/>
-              <a:t> </a:t>
+              <a:rPr lang="ru-RU" sz="700" dirty="0"/>
+              <a:t>Ограничить возможности церкви </a:t>
             </a:r>
             <a:r>
               <a:rPr lang="ru-RU" sz="300" dirty="0"/>
@@ -3902,13 +3896,6 @@
   <p:clrMapOvr>
     <a:masterClrMapping/>
   </p:clrMapOvr>
-  <p:timing>
-    <p:tnLst>
-      <p:par>
-        <p:cTn id="1" dur="indefinite" restart="never" nodeType="tmRoot"/>
-      </p:par>
-    </p:tnLst>
-  </p:timing>
 </p:sld>
 </file>
 

--- a/Наработки/диздоки/Австрия/Австрия.pptx
+++ b/Наработки/диздоки/Австрия/Австрия.pptx
@@ -209,7 +209,7 @@
             <a:fld id="{33E3D7F9-E251-484C-A6FF-FA958879DF69}" type="datetimeFigureOut">
               <a:rPr lang="ru-RU" smtClean="0"/>
               <a:pPr/>
-              <a:t>22.02.2022</a:t>
+              <a:t>25.02.2022</a:t>
             </a:fld>
             <a:endParaRPr lang="ru-RU"/>
           </a:p>
@@ -699,7 +699,7 @@
             <a:fld id="{85A5DE44-605B-4D3B-B2B7-94543DF81A36}" type="datetimeFigureOut">
               <a:rPr lang="ru-RU" smtClean="0"/>
               <a:pPr/>
-              <a:t>22.02.2022</a:t>
+              <a:t>25.02.2022</a:t>
             </a:fld>
             <a:endParaRPr lang="ru-RU"/>
           </a:p>
@@ -871,7 +871,7 @@
             <a:fld id="{85A5DE44-605B-4D3B-B2B7-94543DF81A36}" type="datetimeFigureOut">
               <a:rPr lang="ru-RU" smtClean="0"/>
               <a:pPr/>
-              <a:t>22.02.2022</a:t>
+              <a:t>25.02.2022</a:t>
             </a:fld>
             <a:endParaRPr lang="ru-RU"/>
           </a:p>
@@ -1053,7 +1053,7 @@
             <a:fld id="{85A5DE44-605B-4D3B-B2B7-94543DF81A36}" type="datetimeFigureOut">
               <a:rPr lang="ru-RU" smtClean="0"/>
               <a:pPr/>
-              <a:t>22.02.2022</a:t>
+              <a:t>25.02.2022</a:t>
             </a:fld>
             <a:endParaRPr lang="ru-RU"/>
           </a:p>
@@ -1225,7 +1225,7 @@
             <a:fld id="{85A5DE44-605B-4D3B-B2B7-94543DF81A36}" type="datetimeFigureOut">
               <a:rPr lang="ru-RU" smtClean="0"/>
               <a:pPr/>
-              <a:t>22.02.2022</a:t>
+              <a:t>25.02.2022</a:t>
             </a:fld>
             <a:endParaRPr lang="ru-RU"/>
           </a:p>
@@ -1473,7 +1473,7 @@
             <a:fld id="{85A5DE44-605B-4D3B-B2B7-94543DF81A36}" type="datetimeFigureOut">
               <a:rPr lang="ru-RU" smtClean="0"/>
               <a:pPr/>
-              <a:t>22.02.2022</a:t>
+              <a:t>25.02.2022</a:t>
             </a:fld>
             <a:endParaRPr lang="ru-RU"/>
           </a:p>
@@ -1707,7 +1707,7 @@
             <a:fld id="{85A5DE44-605B-4D3B-B2B7-94543DF81A36}" type="datetimeFigureOut">
               <a:rPr lang="ru-RU" smtClean="0"/>
               <a:pPr/>
-              <a:t>22.02.2022</a:t>
+              <a:t>25.02.2022</a:t>
             </a:fld>
             <a:endParaRPr lang="ru-RU"/>
           </a:p>
@@ -2076,7 +2076,7 @@
             <a:fld id="{85A5DE44-605B-4D3B-B2B7-94543DF81A36}" type="datetimeFigureOut">
               <a:rPr lang="ru-RU" smtClean="0"/>
               <a:pPr/>
-              <a:t>22.02.2022</a:t>
+              <a:t>25.02.2022</a:t>
             </a:fld>
             <a:endParaRPr lang="ru-RU"/>
           </a:p>
@@ -2196,7 +2196,7 @@
             <a:fld id="{85A5DE44-605B-4D3B-B2B7-94543DF81A36}" type="datetimeFigureOut">
               <a:rPr lang="ru-RU" smtClean="0"/>
               <a:pPr/>
-              <a:t>22.02.2022</a:t>
+              <a:t>25.02.2022</a:t>
             </a:fld>
             <a:endParaRPr lang="ru-RU"/>
           </a:p>
@@ -2293,7 +2293,7 @@
             <a:fld id="{85A5DE44-605B-4D3B-B2B7-94543DF81A36}" type="datetimeFigureOut">
               <a:rPr lang="ru-RU" smtClean="0"/>
               <a:pPr/>
-              <a:t>22.02.2022</a:t>
+              <a:t>25.02.2022</a:t>
             </a:fld>
             <a:endParaRPr lang="ru-RU"/>
           </a:p>
@@ -2572,7 +2572,7 @@
             <a:fld id="{85A5DE44-605B-4D3B-B2B7-94543DF81A36}" type="datetimeFigureOut">
               <a:rPr lang="ru-RU" smtClean="0"/>
               <a:pPr/>
-              <a:t>22.02.2022</a:t>
+              <a:t>25.02.2022</a:t>
             </a:fld>
             <a:endParaRPr lang="ru-RU"/>
           </a:p>
@@ -2831,7 +2831,7 @@
             <a:fld id="{85A5DE44-605B-4D3B-B2B7-94543DF81A36}" type="datetimeFigureOut">
               <a:rPr lang="ru-RU" smtClean="0"/>
               <a:pPr/>
-              <a:t>22.02.2022</a:t>
+              <a:t>25.02.2022</a:t>
             </a:fld>
             <a:endParaRPr lang="ru-RU"/>
           </a:p>
@@ -3046,7 +3046,7 @@
             <a:fld id="{85A5DE44-605B-4D3B-B2B7-94543DF81A36}" type="datetimeFigureOut">
               <a:rPr lang="ru-RU" smtClean="0"/>
               <a:pPr/>
-              <a:t>22.02.2022</a:t>
+              <a:t>25.02.2022</a:t>
             </a:fld>
             <a:endParaRPr lang="ru-RU"/>
           </a:p>
@@ -3502,7 +3502,7 @@
         </p:nvSpPr>
         <p:spPr>
           <a:xfrm>
-            <a:off x="5469157" y="3172775"/>
+            <a:off x="345159" y="4287112"/>
             <a:ext cx="926325" cy="540000"/>
           </a:xfrm>
           <a:prstGeom prst="rect">
@@ -3587,7 +3587,7 @@
         </p:nvSpPr>
         <p:spPr>
           <a:xfrm>
-            <a:off x="5469157" y="3908170"/>
+            <a:off x="345159" y="5022507"/>
             <a:ext cx="926325" cy="540000"/>
           </a:xfrm>
           <a:prstGeom prst="rect">
@@ -3701,7 +3701,7 @@
         </p:nvSpPr>
         <p:spPr>
           <a:xfrm>
-            <a:off x="6520055" y="3908170"/>
+            <a:off x="1396057" y="5022507"/>
             <a:ext cx="926325" cy="540000"/>
           </a:xfrm>
           <a:prstGeom prst="rect">
@@ -3883,6 +3883,112 @@
               <a:t>К нацистам отношение было гораздо хуже, и послабления в виде допуска в «Отечественный Фронт» или участие в политике появились только в 1936 году из-за санкций Германии, которые сильно ударяли по австрийскому туризму. Эти послабления можно считать одной из ошибок на пути к Аншлюсу.</a:t>
             </a:r>
             <a:endParaRPr lang="ru-RU" sz="600" b="1" dirty="0"/>
+          </a:p>
+        </p:txBody>
+      </p:sp>
+      <p:sp>
+        <p:nvSpPr>
+          <p:cNvPr id="12" name="Прямоугольник 11">
+            <a:extLst>
+              <a:ext uri="{FF2B5EF4-FFF2-40B4-BE49-F238E27FC236}">
+                <a16:creationId xmlns:a16="http://schemas.microsoft.com/office/drawing/2014/main" id="{7482401F-AAD5-4CEF-B33F-409DC4799309}"/>
+              </a:ext>
+            </a:extLst>
+          </p:cNvPr>
+          <p:cNvSpPr/>
+          <p:nvPr/>
+        </p:nvSpPr>
+        <p:spPr>
+          <a:xfrm>
+            <a:off x="25140037" y="3159903"/>
+            <a:ext cx="926325" cy="540000"/>
+          </a:xfrm>
+          <a:prstGeom prst="rect">
+            <a:avLst/>
+          </a:prstGeom>
+          <a:solidFill>
+            <a:schemeClr val="bg1">
+              <a:lumMod val="50000"/>
+            </a:schemeClr>
+          </a:solidFill>
+          <a:ln w="19050"/>
+        </p:spPr>
+        <p:style>
+          <a:lnRef idx="2">
+            <a:schemeClr val="accent1"/>
+          </a:lnRef>
+          <a:fillRef idx="1">
+            <a:schemeClr val="lt1"/>
+          </a:fillRef>
+          <a:effectRef idx="0">
+            <a:schemeClr val="accent1"/>
+          </a:effectRef>
+          <a:fontRef idx="minor">
+            <a:schemeClr val="dk1"/>
+          </a:fontRef>
+        </p:style>
+        <p:txBody>
+          <a:bodyPr lIns="124733" tIns="62367" rIns="124733" bIns="62367" rtlCol="0" anchor="ctr"/>
+          <a:lstStyle/>
+          <a:p>
+            <a:pPr algn="ctr"/>
+            <a:r>
+              <a:rPr lang="ru-RU" sz="700" dirty="0"/>
+              <a:t>Власть канцлера (открывает механику весов Фемиды)</a:t>
+            </a:r>
+            <a:endParaRPr lang="ru-RU" sz="400" dirty="0"/>
+          </a:p>
+        </p:txBody>
+      </p:sp>
+      <p:sp>
+        <p:nvSpPr>
+          <p:cNvPr id="13" name="Прямоугольник 12">
+            <a:extLst>
+              <a:ext uri="{FF2B5EF4-FFF2-40B4-BE49-F238E27FC236}">
+                <a16:creationId xmlns:a16="http://schemas.microsoft.com/office/drawing/2014/main" id="{6C06E32F-6560-415E-8918-5E85C7B01EEE}"/>
+              </a:ext>
+            </a:extLst>
+          </p:cNvPr>
+          <p:cNvSpPr/>
+          <p:nvPr/>
+        </p:nvSpPr>
+        <p:spPr>
+          <a:xfrm>
+            <a:off x="25140036" y="5183996"/>
+            <a:ext cx="926325" cy="540000"/>
+          </a:xfrm>
+          <a:prstGeom prst="rect">
+            <a:avLst/>
+          </a:prstGeom>
+          <a:solidFill>
+            <a:srgbClr val="7030A0"/>
+          </a:solidFill>
+          <a:ln w="19050"/>
+        </p:spPr>
+        <p:style>
+          <a:lnRef idx="2">
+            <a:schemeClr val="accent1"/>
+          </a:lnRef>
+          <a:fillRef idx="1">
+            <a:schemeClr val="lt1"/>
+          </a:fillRef>
+          <a:effectRef idx="0">
+            <a:schemeClr val="accent1"/>
+          </a:effectRef>
+          <a:fontRef idx="minor">
+            <a:schemeClr val="dk1"/>
+          </a:fontRef>
+        </p:style>
+        <p:txBody>
+          <a:bodyPr lIns="124733" tIns="62367" rIns="124733" bIns="62367" rtlCol="0" anchor="ctr"/>
+          <a:lstStyle/>
+          <a:p>
+            <a:pPr algn="ctr"/>
+            <a:r>
+              <a:rPr lang="ru-RU" sz="700" dirty="0"/>
+              <a:t>Восстановление монархии</a:t>
+            </a:r>
+            <a:endParaRPr lang="ru-RU" sz="400" dirty="0"/>
           </a:p>
         </p:txBody>
       </p:sp>
